--- a/Documents/Presentation1.pptx
+++ b/Documents/Presentation1.pptx
@@ -10825,7 +10825,6 @@
               <a:rPr lang="fr-CH" sz="3600" dirty="0"/>
               <a:t>Jeu de rythme</a:t>
             </a:r>
-            <a:endParaRPr lang="fr-CH" sz="3600" dirty="0"/>
           </a:p>
         </p:txBody>
       </p:sp>
@@ -10976,37 +10975,36 @@
           </a:p>
         </p:txBody>
       </p:sp>
-      <p:sp>
-        <p:nvSpPr>
-          <p:cNvPr id="6" name="Espace réservé du contenu 5"/>
-          <p:cNvSpPr>
-            <a:spLocks noGrp="1"/>
-          </p:cNvSpPr>
-          <p:nvPr>
-            <p:ph idx="1"/>
-          </p:nvPr>
-        </p:nvSpPr>
-        <p:spPr/>
-        <p:txBody>
-          <a:bodyPr/>
-          <a:lstStyle/>
-          <a:p>
-            <a:r>
-              <a:rPr lang="fr-CH" dirty="0" smtClean="0">
-                <a:solidFill>
-                  <a:srgbClr val="FF0000"/>
-                </a:solidFill>
-              </a:rPr>
-              <a:t>SCREENSHOT</a:t>
-            </a:r>
-            <a:endParaRPr lang="fr-CH" dirty="0">
-              <a:solidFill>
-                <a:srgbClr val="FF0000"/>
-              </a:solidFill>
-            </a:endParaRPr>
-          </a:p>
-        </p:txBody>
-      </p:sp>
+      <p:pic>
+        <p:nvPicPr>
+          <p:cNvPr id="3" name="Image 2"/>
+          <p:cNvPicPr>
+            <a:picLocks noChangeAspect="1"/>
+          </p:cNvPicPr>
+          <p:nvPr/>
+        </p:nvPicPr>
+        <p:blipFill>
+          <a:blip r:embed="rId2">
+            <a:extLst>
+              <a:ext uri="{28A0092B-C50C-407E-A947-70E740481C1C}">
+                <a14:useLocalDpi xmlns:a14="http://schemas.microsoft.com/office/drawing/2010/main" val="0"/>
+              </a:ext>
+            </a:extLst>
+          </a:blip>
+          <a:stretch>
+            <a:fillRect/>
+          </a:stretch>
+        </p:blipFill>
+        <p:spPr>
+          <a:xfrm>
+            <a:off x="1801694" y="1800289"/>
+            <a:ext cx="7877765" cy="4433078"/>
+          </a:xfrm>
+          <a:prstGeom prst="rect">
+            <a:avLst/>
+          </a:prstGeom>
+        </p:spPr>
+      </p:pic>
     </p:spTree>
     <p:extLst>
       <p:ext uri="{BB962C8B-B14F-4D97-AF65-F5344CB8AC3E}">
@@ -11096,7 +11094,7 @@
         </p:nvSpPr>
         <p:spPr>
           <a:xfrm>
-            <a:off x="2380736" y="3398472"/>
+            <a:off x="2397212" y="4262898"/>
             <a:ext cx="2744919" cy="461665"/>
           </a:xfrm>
           <a:prstGeom prst="rect">
@@ -11126,7 +11124,7 @@
         </p:nvSpPr>
         <p:spPr>
           <a:xfrm>
-            <a:off x="6981567" y="3398472"/>
+            <a:off x="6998043" y="4262898"/>
             <a:ext cx="1935273" cy="461665"/>
           </a:xfrm>
           <a:prstGeom prst="rect">
@@ -11148,6 +11146,169 @@
           </a:p>
         </p:txBody>
       </p:sp>
+      <p:pic>
+        <p:nvPicPr>
+          <p:cNvPr id="3" name="Image 2"/>
+          <p:cNvPicPr>
+            <a:picLocks noChangeAspect="1"/>
+          </p:cNvPicPr>
+          <p:nvPr/>
+        </p:nvPicPr>
+        <p:blipFill>
+          <a:blip r:embed="rId2"/>
+          <a:stretch>
+            <a:fillRect/>
+          </a:stretch>
+        </p:blipFill>
+        <p:spPr>
+          <a:xfrm>
+            <a:off x="2498083" y="3206860"/>
+            <a:ext cx="2543175" cy="476250"/>
+          </a:xfrm>
+          <a:prstGeom prst="rect">
+            <a:avLst/>
+          </a:prstGeom>
+        </p:spPr>
+      </p:pic>
+      <p:grpSp>
+        <p:nvGrpSpPr>
+          <p:cNvPr id="14" name="Groupe 13"/>
+          <p:cNvGrpSpPr/>
+          <p:nvPr/>
+        </p:nvGrpSpPr>
+        <p:grpSpPr>
+          <a:xfrm>
+            <a:off x="7343722" y="2825472"/>
+            <a:ext cx="1243914" cy="1191356"/>
+            <a:chOff x="7422291" y="2226276"/>
+            <a:chExt cx="873211" cy="864973"/>
+          </a:xfrm>
+        </p:grpSpPr>
+        <p:pic>
+          <p:nvPicPr>
+            <p:cNvPr id="7" name="Image 6"/>
+            <p:cNvPicPr>
+              <a:picLocks noChangeAspect="1"/>
+            </p:cNvPicPr>
+            <p:nvPr/>
+          </p:nvPicPr>
+          <p:blipFill rotWithShape="1">
+            <a:blip r:embed="rId3"/>
+            <a:srcRect l="7588" t="12666" r="7527" b="10376"/>
+            <a:stretch/>
+          </p:blipFill>
+          <p:spPr>
+            <a:xfrm>
+              <a:off x="7422291" y="2226276"/>
+              <a:ext cx="873211" cy="864973"/>
+            </a:xfrm>
+            <a:prstGeom prst="rect">
+              <a:avLst/>
+            </a:prstGeom>
+          </p:spPr>
+        </p:pic>
+        <p:sp>
+          <p:nvSpPr>
+            <p:cNvPr id="8" name="Ellipse 7"/>
+            <p:cNvSpPr/>
+            <p:nvPr/>
+          </p:nvSpPr>
+          <p:spPr>
+            <a:xfrm>
+              <a:off x="7659642" y="2457450"/>
+              <a:ext cx="398508" cy="391506"/>
+            </a:xfrm>
+            <a:prstGeom prst="ellipse">
+              <a:avLst/>
+            </a:prstGeom>
+            <a:solidFill>
+              <a:srgbClr val="FF0000">
+                <a:alpha val="50196"/>
+              </a:srgbClr>
+            </a:solidFill>
+            <a:ln>
+              <a:noFill/>
+            </a:ln>
+          </p:spPr>
+          <p:style>
+            <a:lnRef idx="2">
+              <a:schemeClr val="accent1">
+                <a:shade val="50000"/>
+              </a:schemeClr>
+            </a:lnRef>
+            <a:fillRef idx="1">
+              <a:schemeClr val="accent1"/>
+            </a:fillRef>
+            <a:effectRef idx="0">
+              <a:schemeClr val="accent1"/>
+            </a:effectRef>
+            <a:fontRef idx="minor">
+              <a:schemeClr val="lt1"/>
+            </a:fontRef>
+          </p:style>
+          <p:txBody>
+            <a:bodyPr rtlCol="0" anchor="ctr"/>
+            <a:lstStyle/>
+            <a:p>
+              <a:pPr algn="ctr"/>
+              <a:endParaRPr lang="fr-CH"/>
+            </a:p>
+          </p:txBody>
+        </p:sp>
+        <p:sp>
+          <p:nvSpPr>
+            <p:cNvPr id="10" name="Bouée 9"/>
+            <p:cNvSpPr/>
+            <p:nvPr/>
+          </p:nvSpPr>
+          <p:spPr>
+            <a:xfrm>
+              <a:off x="7497331" y="2281483"/>
+              <a:ext cx="723129" cy="743439"/>
+            </a:xfrm>
+            <a:prstGeom prst="donut">
+              <a:avLst/>
+            </a:prstGeom>
+            <a:solidFill>
+              <a:schemeClr val="accent1">
+                <a:lumMod val="75000"/>
+                <a:alpha val="50196"/>
+              </a:schemeClr>
+            </a:solidFill>
+            <a:ln>
+              <a:noFill/>
+            </a:ln>
+          </p:spPr>
+          <p:style>
+            <a:lnRef idx="2">
+              <a:schemeClr val="accent1">
+                <a:shade val="50000"/>
+              </a:schemeClr>
+            </a:lnRef>
+            <a:fillRef idx="1">
+              <a:schemeClr val="accent1"/>
+            </a:fillRef>
+            <a:effectRef idx="0">
+              <a:schemeClr val="accent1"/>
+            </a:effectRef>
+            <a:fontRef idx="minor">
+              <a:schemeClr val="lt1"/>
+            </a:fontRef>
+          </p:style>
+          <p:txBody>
+            <a:bodyPr rtlCol="0" anchor="ctr"/>
+            <a:lstStyle/>
+            <a:p>
+              <a:pPr algn="ctr"/>
+              <a:endParaRPr lang="fr-CH">
+                <a:solidFill>
+                  <a:schemeClr val="tx1"/>
+                </a:solidFill>
+              </a:endParaRPr>
+            </a:p>
+          </p:txBody>
+        </p:sp>
+      </p:grpSp>
     </p:spTree>
     <p:extLst>
       <p:ext uri="{BB962C8B-B14F-4D97-AF65-F5344CB8AC3E}">

--- a/Documents/Presentation1.pptx
+++ b/Documents/Presentation1.pptx
@@ -208,7 +208,7 @@
           <a:p>
             <a:fld id="{EBACBB57-5019-4C34-B895-9DAC8A1F72A5}" type="datetimeFigureOut">
               <a:rPr lang="fr-CH" smtClean="0"/>
-              <a:t>22.04.2020</a:t>
+              <a:t>24.04.2020</a:t>
             </a:fld>
             <a:endParaRPr lang="fr-CH"/>
           </a:p>
@@ -894,7 +894,7 @@
           <a:p>
             <a:fld id="{A1C5EC13-83CD-46FC-A749-A66713452AB8}" type="datetime1">
               <a:rPr lang="fr-CH" smtClean="0"/>
-              <a:t>22.04.2020</a:t>
+              <a:t>24.04.2020</a:t>
             </a:fld>
             <a:endParaRPr lang="fr-CH"/>
           </a:p>
@@ -1081,7 +1081,7 @@
           <a:p>
             <a:fld id="{7E456747-9D74-4D5C-A57B-216C1DCF555B}" type="datetime1">
               <a:rPr lang="fr-CH" smtClean="0"/>
-              <a:t>22.04.2020</a:t>
+              <a:t>24.04.2020</a:t>
             </a:fld>
             <a:endParaRPr lang="fr-CH"/>
           </a:p>
@@ -1261,7 +1261,7 @@
           <a:p>
             <a:fld id="{35AB7460-04F9-4582-9AE7-9E23C393B231}" type="datetime1">
               <a:rPr lang="fr-CH" smtClean="0"/>
-              <a:t>22.04.2020</a:t>
+              <a:t>24.04.2020</a:t>
             </a:fld>
             <a:endParaRPr lang="fr-CH"/>
           </a:p>
@@ -1446,7 +1446,7 @@
           <a:p>
             <a:fld id="{443BA57E-7B21-4F6F-82E1-FF01CD7ABA13}" type="datetime1">
               <a:rPr lang="fr-CH" smtClean="0"/>
-              <a:t>22.04.2020</a:t>
+              <a:t>24.04.2020</a:t>
             </a:fld>
             <a:endParaRPr lang="en-US" dirty="0"/>
           </a:p>
@@ -2264,7 +2264,7 @@
           <a:p>
             <a:fld id="{062309E3-34CC-4F3C-A1BD-713587317DF7}" type="datetime1">
               <a:rPr lang="fr-CH" smtClean="0"/>
-              <a:t>22.04.2020</a:t>
+              <a:t>24.04.2020</a:t>
             </a:fld>
             <a:endParaRPr lang="fr-CH"/>
           </a:p>
@@ -2446,7 +2446,7 @@
           <a:p>
             <a:fld id="{CA50544D-CD99-4DB3-9168-B3A8E20C09FE}" type="datetime1">
               <a:rPr lang="fr-CH" smtClean="0"/>
-              <a:t>22.04.2020</a:t>
+              <a:t>24.04.2020</a:t>
             </a:fld>
             <a:endParaRPr lang="fr-CH"/>
           </a:p>
@@ -2700,7 +2700,7 @@
           <a:p>
             <a:fld id="{0BA05AE5-1ED1-49B1-BD0C-362DD8300DA6}" type="datetime1">
               <a:rPr lang="fr-CH" smtClean="0"/>
-              <a:t>22.04.2020</a:t>
+              <a:t>24.04.2020</a:t>
             </a:fld>
             <a:endParaRPr lang="fr-CH"/>
           </a:p>
@@ -2939,7 +2939,7 @@
           <a:p>
             <a:fld id="{F321FB04-B1F8-410C-91A1-6F9F06ABF9AD}" type="datetime1">
               <a:rPr lang="fr-CH" smtClean="0"/>
-              <a:t>22.04.2020</a:t>
+              <a:t>24.04.2020</a:t>
             </a:fld>
             <a:endParaRPr lang="fr-CH"/>
           </a:p>
@@ -3313,7 +3313,7 @@
           <a:p>
             <a:fld id="{B78CB868-B46E-4481-9B17-F23B1E033C87}" type="datetime1">
               <a:rPr lang="fr-CH" smtClean="0"/>
-              <a:t>22.04.2020</a:t>
+              <a:t>24.04.2020</a:t>
             </a:fld>
             <a:endParaRPr lang="fr-CH"/>
           </a:p>
@@ -3436,7 +3436,7 @@
           <a:p>
             <a:fld id="{AED0E9EF-17A4-4D73-89B5-BE4B97634EE6}" type="datetime1">
               <a:rPr lang="fr-CH" smtClean="0"/>
-              <a:t>22.04.2020</a:t>
+              <a:t>24.04.2020</a:t>
             </a:fld>
             <a:endParaRPr lang="fr-CH"/>
           </a:p>
@@ -3531,7 +3531,7 @@
           <a:p>
             <a:fld id="{185805BF-25D7-407C-8F23-26F91DDF1D3E}" type="datetime1">
               <a:rPr lang="fr-CH" smtClean="0"/>
-              <a:t>22.04.2020</a:t>
+              <a:t>24.04.2020</a:t>
             </a:fld>
             <a:endParaRPr lang="fr-CH"/>
           </a:p>
@@ -3801,7 +3801,7 @@
           <a:p>
             <a:fld id="{159142C7-4527-4223-B0C3-EFB260406640}" type="datetime1">
               <a:rPr lang="fr-CH" smtClean="0"/>
-              <a:t>22.04.2020</a:t>
+              <a:t>24.04.2020</a:t>
             </a:fld>
             <a:endParaRPr lang="fr-CH"/>
           </a:p>
@@ -4073,7 +4073,7 @@
           <a:p>
             <a:fld id="{76BB6D0E-3881-4B3D-96CD-ECBF10879B6D}" type="datetime1">
               <a:rPr lang="fr-CH" smtClean="0"/>
-              <a:t>22.04.2020</a:t>
+              <a:t>24.04.2020</a:t>
             </a:fld>
             <a:endParaRPr lang="fr-CH"/>
           </a:p>
@@ -4378,7 +4378,7 @@
           <a:p>
             <a:fld id="{CE03783F-3525-484F-BB92-A97332512ECC}" type="datetime1">
               <a:rPr lang="fr-CH" smtClean="0"/>
-              <a:t>22.04.2020</a:t>
+              <a:t>24.04.2020</a:t>
             </a:fld>
             <a:endParaRPr lang="fr-CH"/>
           </a:p>
@@ -4587,7 +4587,7 @@
           <a:p>
             <a:fld id="{3DD17AEC-70AF-45C1-A4D8-B9682E9F5690}" type="datetime1">
               <a:rPr lang="fr-CH" smtClean="0"/>
-              <a:t>22.04.2020</a:t>
+              <a:t>24.04.2020</a:t>
             </a:fld>
             <a:endParaRPr lang="fr-CH"/>
           </a:p>
@@ -4901,7 +4901,7 @@
           <a:p>
             <a:fld id="{DD598F42-9E37-44B5-9404-FFDB7BFA3C58}" type="datetime1">
               <a:rPr lang="fr-CH" smtClean="0"/>
-              <a:t>22.04.2020</a:t>
+              <a:t>24.04.2020</a:t>
             </a:fld>
             <a:endParaRPr lang="fr-CH"/>
           </a:p>
@@ -5234,7 +5234,7 @@
           <a:p>
             <a:fld id="{D80A43B4-503F-48B3-9D69-A1E033EB31DC}" type="datetime1">
               <a:rPr lang="fr-CH" smtClean="0"/>
-              <a:t>22.04.2020</a:t>
+              <a:t>24.04.2020</a:t>
             </a:fld>
             <a:endParaRPr lang="fr-CH"/>
           </a:p>
@@ -5548,7 +5548,7 @@
           <a:p>
             <a:fld id="{C63570D4-DC05-4346-960C-EE641E3F13E6}" type="datetime1">
               <a:rPr lang="fr-CH" smtClean="0"/>
-              <a:t>22.04.2020</a:t>
+              <a:t>24.04.2020</a:t>
             </a:fld>
             <a:endParaRPr lang="fr-CH"/>
           </a:p>
@@ -5941,7 +5941,7 @@
           <a:p>
             <a:fld id="{6DAD8BB9-B4F7-4387-B4ED-AABAD1F880A7}" type="datetime1">
               <a:rPr lang="fr-CH" smtClean="0"/>
-              <a:t>22.04.2020</a:t>
+              <a:t>24.04.2020</a:t>
             </a:fld>
             <a:endParaRPr lang="fr-CH"/>
           </a:p>
@@ -6111,7 +6111,7 @@
           <a:p>
             <a:fld id="{5AECCC42-73C7-497A-91BC-5B46DEBB8AEF}" type="datetime1">
               <a:rPr lang="fr-CH" smtClean="0"/>
-              <a:t>22.04.2020</a:t>
+              <a:t>24.04.2020</a:t>
             </a:fld>
             <a:endParaRPr lang="fr-CH"/>
           </a:p>
@@ -6291,7 +6291,7 @@
           <a:p>
             <a:fld id="{24A8B8C1-AC7C-4439-ABE1-977A3F495DB0}" type="datetime1">
               <a:rPr lang="fr-CH" smtClean="0"/>
-              <a:t>22.04.2020</a:t>
+              <a:t>24.04.2020</a:t>
             </a:fld>
             <a:endParaRPr lang="fr-CH"/>
           </a:p>
@@ -6537,7 +6537,7 @@
           <a:p>
             <a:fld id="{8A489873-EBA8-4E74-A188-36791492334D}" type="datetime1">
               <a:rPr lang="fr-CH" smtClean="0"/>
-              <a:t>22.04.2020</a:t>
+              <a:t>24.04.2020</a:t>
             </a:fld>
             <a:endParaRPr lang="fr-CH"/>
           </a:p>
@@ -6776,7 +6776,7 @@
           <a:p>
             <a:fld id="{2716B30A-CC25-498D-A978-F9C8FA3447EC}" type="datetime1">
               <a:rPr lang="fr-CH" smtClean="0"/>
-              <a:t>22.04.2020</a:t>
+              <a:t>24.04.2020</a:t>
             </a:fld>
             <a:endParaRPr lang="fr-CH"/>
           </a:p>
@@ -7150,7 +7150,7 @@
           <a:p>
             <a:fld id="{86F0612F-4B27-4C50-9FEF-D899F02BE98F}" type="datetime1">
               <a:rPr lang="fr-CH" smtClean="0"/>
-              <a:t>22.04.2020</a:t>
+              <a:t>24.04.2020</a:t>
             </a:fld>
             <a:endParaRPr lang="fr-CH"/>
           </a:p>
@@ -7275,7 +7275,7 @@
           <a:p>
             <a:fld id="{1F3DD3EA-FE5E-4B40-AAF2-7BDC6B236448}" type="datetime1">
               <a:rPr lang="fr-CH" smtClean="0"/>
-              <a:t>22.04.2020</a:t>
+              <a:t>24.04.2020</a:t>
             </a:fld>
             <a:endParaRPr lang="fr-CH"/>
           </a:p>
@@ -7370,7 +7370,7 @@
           <a:p>
             <a:fld id="{DFCE601C-520E-4D95-87EA-C15A6C947E77}" type="datetime1">
               <a:rPr lang="fr-CH" smtClean="0"/>
-              <a:t>22.04.2020</a:t>
+              <a:t>24.04.2020</a:t>
             </a:fld>
             <a:endParaRPr lang="fr-CH"/>
           </a:p>
@@ -7647,7 +7647,7 @@
           <a:p>
             <a:fld id="{7CDD90FB-8902-44F1-AFF3-670F9F6ABDF8}" type="datetime1">
               <a:rPr lang="fr-CH" smtClean="0"/>
-              <a:t>22.04.2020</a:t>
+              <a:t>24.04.2020</a:t>
             </a:fld>
             <a:endParaRPr lang="fr-CH"/>
           </a:p>
@@ -7900,7 +7900,7 @@
           <a:p>
             <a:fld id="{6A97B839-6A40-4321-AA7D-D18AFAC76C0E}" type="datetime1">
               <a:rPr lang="fr-CH" smtClean="0"/>
-              <a:t>22.04.2020</a:t>
+              <a:t>24.04.2020</a:t>
             </a:fld>
             <a:endParaRPr lang="fr-CH"/>
           </a:p>
@@ -8113,7 +8113,7 @@
           <a:p>
             <a:fld id="{36C5D13F-9125-4315-B7A7-EB82236C947E}" type="datetime1">
               <a:rPr lang="fr-CH" smtClean="0"/>
-              <a:t>22.04.2020</a:t>
+              <a:t>24.04.2020</a:t>
             </a:fld>
             <a:endParaRPr lang="fr-CH"/>
           </a:p>
@@ -9194,7 +9194,7 @@
           <a:p>
             <a:fld id="{35BA6938-53D0-4653-82AB-3885BCA89A92}" type="datetime1">
               <a:rPr lang="fr-CH" smtClean="0"/>
-              <a:t>22.04.2020</a:t>
+              <a:t>24.04.2020</a:t>
             </a:fld>
             <a:endParaRPr lang="fr-CH"/>
           </a:p>
@@ -10977,7 +10977,7 @@
       </p:sp>
       <p:pic>
         <p:nvPicPr>
-          <p:cNvPr id="3" name="Image 2"/>
+          <p:cNvPr id="5" name="Image 4"/>
           <p:cNvPicPr>
             <a:picLocks noChangeAspect="1"/>
           </p:cNvPicPr>
@@ -10997,8 +10997,8 @@
         </p:blipFill>
         <p:spPr>
           <a:xfrm>
-            <a:off x="1801694" y="1800289"/>
-            <a:ext cx="7877765" cy="4433078"/>
+            <a:off x="1948670" y="1882880"/>
+            <a:ext cx="7780216" cy="4388621"/>
           </a:xfrm>
           <a:prstGeom prst="rect">
             <a:avLst/>
@@ -11015,6 +11015,13 @@
   <p:clrMapOvr>
     <a:masterClrMapping/>
   </p:clrMapOvr>
+  <p:timing>
+    <p:tnLst>
+      <p:par>
+        <p:cTn id="1" dur="indefinite" restart="never" nodeType="tmRoot"/>
+      </p:par>
+    </p:tnLst>
+  </p:timing>
 </p:sld>
 </file>
 
@@ -11319,6 +11326,13 @@
   <p:clrMapOvr>
     <a:masterClrMapping/>
   </p:clrMapOvr>
+  <p:timing>
+    <p:tnLst>
+      <p:par>
+        <p:cTn id="1" dur="indefinite" restart="never" nodeType="tmRoot"/>
+      </p:par>
+    </p:tnLst>
+  </p:timing>
 </p:sld>
 </file>
 
@@ -11565,11 +11579,15 @@
             </a:r>
             <a:r>
               <a:rPr lang="fr-CH" dirty="0" err="1" smtClean="0"/>
-              <a:t>heartbeat</a:t>
+              <a:t>heartrate</a:t>
             </a:r>
             <a:r>
               <a:rPr lang="fr-CH" dirty="0" smtClean="0"/>
-              <a:t> à </a:t>
+              <a:t> </a:t>
+            </a:r>
+            <a:r>
+              <a:rPr lang="fr-CH" dirty="0" smtClean="0"/>
+              <a:t>à </a:t>
             </a:r>
             <a:r>
               <a:rPr lang="fr-CH" dirty="0" err="1" smtClean="0"/>
